--- a/morea/materials/10-strings.pptx
+++ b/morea/materials/10-strings.pptx
@@ -8846,16 +8846,14 @@
           <a:lstStyle/>
           <a:p>
             <a:r>
-              <a:rPr lang="en-US" smtClean="0"/>
-              <a:t>Dr. Emily Hill</a:t>
-            </a:r>
-          </a:p>
-          <a:p>
-            <a:r>
-              <a:rPr lang="en-US" smtClean="0"/>
-              <a:t>Fall 2014</a:t>
-            </a:r>
-            <a:endParaRPr lang="en-US" dirty="0"/>
+              <a:rPr lang="en-US" dirty="0" smtClean="0"/>
+              <a:t>Dr. Emily </a:t>
+            </a:r>
+            <a:r>
+              <a:rPr lang="en-US" dirty="0" smtClean="0"/>
+              <a:t>Hill</a:t>
+            </a:r>
+            <a:endParaRPr lang="en-US" dirty="0" smtClean="0"/>
           </a:p>
         </p:txBody>
       </p:sp>
@@ -23212,11 +23210,11 @@
   <p:clrMapOvr>
     <a:masterClrMapping/>
   </p:clrMapOvr>
-  <mc:AlternateContent xmlns:mc="http://schemas.openxmlformats.org/markup-compatibility/2006">
-    <mc:Choice xmlns:p14="http://schemas.microsoft.com/office/powerpoint/2010/main" Requires="p14">
+  <mc:AlternateContent xmlns:mc="http://schemas.openxmlformats.org/markup-compatibility/2006" xmlns:p14="http://schemas.microsoft.com/office/powerpoint/2010/main">
+    <mc:Choice Requires="p14">
       <p:transition spd="slow" p14:dur="2000"/>
     </mc:Choice>
-    <mc:Fallback>
+    <mc:Fallback xmlns="">
       <p:transition xmlns:p14="http://schemas.microsoft.com/office/powerpoint/2010/main" spd="slow"/>
     </mc:Fallback>
   </mc:AlternateContent>
@@ -23407,21 +23405,7 @@
                 <a:latin typeface="Gill Sans"/>
                 <a:cs typeface="Gill Sans"/>
               </a:rPr>
-              <a:t>New component </a:t>
-            </a:r>
-            <a:r>
-              <a:rPr lang="en-US" sz="3200" dirty="0" smtClean="0">
-                <a:latin typeface="Gill Sans"/>
-                <a:cs typeface="Gill Sans"/>
-              </a:rPr>
-              <a:t>in project </a:t>
-            </a:r>
-            <a:r>
-              <a:rPr lang="en-US" sz="3200" dirty="0" smtClean="0">
-                <a:latin typeface="Gill Sans"/>
-                <a:cs typeface="Gill Sans"/>
-              </a:rPr>
-              <a:t>grades:</a:t>
+              <a:t>New component in project grades:</a:t>
             </a:r>
           </a:p>
           <a:p>
@@ -23467,11 +23451,11 @@
   <p:clrMapOvr>
     <a:masterClrMapping/>
   </p:clrMapOvr>
-  <mc:AlternateContent xmlns:mc="http://schemas.openxmlformats.org/markup-compatibility/2006">
-    <mc:Choice xmlns:p14="http://schemas.microsoft.com/office/powerpoint/2010/main" Requires="p14">
+  <mc:AlternateContent xmlns:mc="http://schemas.openxmlformats.org/markup-compatibility/2006" xmlns:p14="http://schemas.microsoft.com/office/powerpoint/2010/main">
+    <mc:Choice Requires="p14">
       <p:transition spd="slow" p14:dur="2000"/>
     </mc:Choice>
-    <mc:Fallback>
+    <mc:Fallback xmlns="">
       <p:transition xmlns:p14="http://schemas.microsoft.com/office/powerpoint/2010/main" spd="slow"/>
     </mc:Fallback>
   </mc:AlternateContent>
@@ -28498,7 +28482,7 @@
         <p:spPr bwMode="auto">
           <a:xfrm>
             <a:off x="1219200" y="4700588"/>
-            <a:ext cx="7142163" cy="954087"/>
+            <a:ext cx="7213107" cy="954107"/>
           </a:xfrm>
           <a:prstGeom prst="rect">
             <a:avLst/>
@@ -28642,7 +28626,7 @@
               <a:defRPr/>
             </a:pPr>
             <a:r>
-              <a:rPr lang="en-US" sz="2800" b="1" smtClean="0">
+              <a:rPr lang="en-US" sz="2800" b="1" dirty="0" smtClean="0">
                 <a:solidFill>
                   <a:srgbClr val="660066"/>
                 </a:solidFill>
@@ -28652,7 +28636,7 @@
               <a:t>if</a:t>
             </a:r>
             <a:r>
-              <a:rPr lang="en-US" sz="2800" smtClean="0">
+              <a:rPr lang="en-US" sz="2800" dirty="0" smtClean="0">
                 <a:solidFill>
                   <a:srgbClr val="400080"/>
                 </a:solidFill>
@@ -28662,7 +28646,7 @@
               <a:t> </a:t>
             </a:r>
             <a:r>
-              <a:rPr lang="ja-JP" altLang="en-US" sz="2800" smtClean="0">
+              <a:rPr lang="ja-JP" altLang="en-US" sz="2800" dirty="0" smtClean="0">
                 <a:solidFill>
                   <a:srgbClr val="020202"/>
                 </a:solidFill>
@@ -28672,7 +28656,7 @@
               <a:t>“</a:t>
             </a:r>
             <a:r>
-              <a:rPr lang="en-US" sz="2800" smtClean="0">
+              <a:rPr lang="en-US" sz="2800" dirty="0" smtClean="0">
                 <a:solidFill>
                   <a:srgbClr val="020202"/>
                 </a:solidFill>
@@ -28682,7 +28666,7 @@
               <a:t>Jr.</a:t>
             </a:r>
             <a:r>
-              <a:rPr lang="ja-JP" altLang="en-US" sz="2800" smtClean="0">
+              <a:rPr lang="ja-JP" altLang="en-US" sz="2800" dirty="0" smtClean="0">
                 <a:solidFill>
                   <a:srgbClr val="020202"/>
                 </a:solidFill>
@@ -28692,7 +28676,7 @@
               <a:t>”</a:t>
             </a:r>
             <a:r>
-              <a:rPr lang="en-US" sz="2800" smtClean="0">
+              <a:rPr lang="en-US" sz="2800" dirty="0" smtClean="0">
                 <a:solidFill>
                   <a:srgbClr val="020202"/>
                 </a:solidFill>
@@ -28702,7 +28686,7 @@
               <a:t> </a:t>
             </a:r>
             <a:r>
-              <a:rPr lang="en-US" sz="2800" b="1" smtClean="0">
+              <a:rPr lang="en-US" sz="2800" b="1" dirty="0" smtClean="0">
                 <a:solidFill>
                   <a:srgbClr val="660066"/>
                 </a:solidFill>
@@ -28712,7 +28696,7 @@
               <a:t>in</a:t>
             </a:r>
             <a:r>
-              <a:rPr lang="en-US" sz="2800" smtClean="0">
+              <a:rPr lang="en-US" sz="2800" dirty="0" smtClean="0">
                 <a:solidFill>
                   <a:srgbClr val="400080"/>
                 </a:solidFill>
@@ -28722,7 +28706,7 @@
               <a:t> </a:t>
             </a:r>
             <a:r>
-              <a:rPr lang="en-US" sz="2800" smtClean="0">
+              <a:rPr lang="en-US" sz="2800" dirty="0" smtClean="0">
                 <a:solidFill>
                   <a:srgbClr val="020202"/>
                 </a:solidFill>
@@ -28732,7 +28716,7 @@
               <a:t>name</a:t>
             </a:r>
             <a:r>
-              <a:rPr lang="en-US" sz="2800" smtClean="0">
+              <a:rPr lang="en-US" sz="2800" dirty="0" smtClean="0">
                 <a:solidFill>
                   <a:schemeClr val="tx1"/>
                 </a:solidFill>
@@ -28747,7 +28731,7 @@
               <a:defRPr/>
             </a:pPr>
             <a:r>
-              <a:rPr lang="en-US" sz="2800" smtClean="0">
+              <a:rPr lang="en-US" sz="2800" dirty="0" smtClean="0">
                 <a:solidFill>
                   <a:srgbClr val="020202"/>
                 </a:solidFill>
@@ -28757,7 +28741,7 @@
               <a:t>	</a:t>
             </a:r>
             <a:r>
-              <a:rPr lang="en-US" sz="2800" smtClean="0">
+              <a:rPr lang="en-US" sz="2800" dirty="0" smtClean="0">
                 <a:solidFill>
                   <a:schemeClr val="tx1"/>
                 </a:solidFill>
@@ -28767,17 +28751,37 @@
               <a:t>print</a:t>
             </a:r>
             <a:r>
-              <a:rPr lang="en-US" sz="2800" smtClean="0">
+              <a:rPr lang="en-US" sz="2800" dirty="0">
                 <a:solidFill>
                   <a:srgbClr val="020202"/>
                 </a:solidFill>
                 <a:latin typeface="Monaco" charset="0"/>
                 <a:cs typeface="Monaco" charset="0"/>
               </a:rPr>
-              <a:t> name, </a:t>
-            </a:r>
-            <a:r>
-              <a:rPr lang="ja-JP" altLang="en-US" sz="2800" smtClean="0">
+              <a:t>(</a:t>
+            </a:r>
+            <a:r>
+              <a:rPr lang="en-US" sz="2800" dirty="0" smtClean="0">
+                <a:solidFill>
+                  <a:srgbClr val="020202"/>
+                </a:solidFill>
+                <a:latin typeface="Monaco" charset="0"/>
+                <a:cs typeface="Monaco" charset="0"/>
+              </a:rPr>
+              <a:t>name</a:t>
+            </a:r>
+            <a:r>
+              <a:rPr lang="en-US" sz="2800" dirty="0" smtClean="0">
+                <a:solidFill>
+                  <a:srgbClr val="020202"/>
+                </a:solidFill>
+                <a:latin typeface="Monaco" charset="0"/>
+                <a:cs typeface="Monaco" charset="0"/>
+              </a:rPr>
+              <a:t>, </a:t>
+            </a:r>
+            <a:r>
+              <a:rPr lang="ja-JP" altLang="en-US" sz="2800" dirty="0" smtClean="0">
                 <a:solidFill>
                   <a:srgbClr val="020202"/>
                 </a:solidFill>
@@ -28787,7 +28791,7 @@
               <a:t>“</a:t>
             </a:r>
             <a:r>
-              <a:rPr lang="en-US" sz="2800" smtClean="0">
+              <a:rPr lang="en-US" sz="2800" dirty="0" smtClean="0">
                 <a:solidFill>
                   <a:srgbClr val="020202"/>
                 </a:solidFill>
@@ -28797,7 +28801,7 @@
               <a:t>contains </a:t>
             </a:r>
             <a:r>
-              <a:rPr lang="ja-JP" altLang="en-US" sz="2800" smtClean="0">
+              <a:rPr lang="ja-JP" altLang="en-US" sz="2800" dirty="0" smtClean="0">
                 <a:solidFill>
                   <a:srgbClr val="020202"/>
                 </a:solidFill>
@@ -28807,7 +28811,7 @@
               <a:t>‘</a:t>
             </a:r>
             <a:r>
-              <a:rPr lang="en-US" sz="2800" smtClean="0">
+              <a:rPr lang="en-US" sz="2800" dirty="0" smtClean="0">
                 <a:solidFill>
                   <a:srgbClr val="020202"/>
                 </a:solidFill>
@@ -28817,16 +28821,36 @@
               <a:t>Jr.</a:t>
             </a:r>
             <a:r>
-              <a:rPr lang="ja-JP" altLang="en-US" sz="2800" smtClean="0">
+              <a:rPr lang="ja-JP" altLang="en-US" sz="2800" dirty="0" smtClean="0">
                 <a:solidFill>
                   <a:srgbClr val="020202"/>
                 </a:solidFill>
                 <a:latin typeface="Monaco" charset="0"/>
                 <a:cs typeface="Monaco" charset="0"/>
               </a:rPr>
-              <a:t>’”</a:t>
-            </a:r>
-            <a:endParaRPr lang="en-US" sz="2800" smtClean="0">
+              <a:t>’</a:t>
+            </a:r>
+            <a:r>
+              <a:rPr lang="ja-JP" altLang="en-US" sz="2800" dirty="0" smtClean="0">
+                <a:solidFill>
+                  <a:srgbClr val="020202"/>
+                </a:solidFill>
+                <a:latin typeface="Monaco" charset="0"/>
+                <a:cs typeface="Monaco" charset="0"/>
+              </a:rPr>
+              <a:t>”</a:t>
+            </a:r>
+            <a:r>
+              <a:rPr lang="en-US" altLang="ja-JP" sz="2800" dirty="0" smtClean="0">
+                <a:solidFill>
+                  <a:srgbClr val="020202"/>
+                </a:solidFill>
+                <a:latin typeface="Monaco" charset="0"/>
+                <a:cs typeface="Monaco" charset="0"/>
+              </a:rPr>
+              <a:t>)</a:t>
+            </a:r>
+            <a:endParaRPr lang="en-US" sz="2800" dirty="0" smtClean="0">
               <a:solidFill>
                 <a:srgbClr val="020202"/>
               </a:solidFill>
